--- a/Senate_Salamanders_Slide.pptx
+++ b/Senate_Salamanders_Slide.pptx
@@ -11,8 +11,8 @@
     <p:sldId id="259" r:id="rId5"/>
     <p:sldId id="260" r:id="rId6"/>
     <p:sldId id="261" r:id="rId7"/>
-    <p:sldId id="262" r:id="rId8"/>
-    <p:sldId id="263" r:id="rId9"/>
+    <p:sldId id="263" r:id="rId8"/>
+    <p:sldId id="264" r:id="rId9"/>
   </p:sldIdLst>
   <p:sldSz cx="12192000" cy="6858000"/>
   <p:notesSz cx="6858000" cy="9144000"/>
@@ -12680,7 +12680,7 @@
                   <a:srgbClr val="C00000"/>
                 </a:solidFill>
               </a:rPr>
-              <a:t>Why do we need Senate Reform?</a:t>
+              <a:t>Why we need Senate Reform</a:t>
             </a:r>
           </a:p>
         </p:txBody>
@@ -12867,16 +12867,23 @@
           </a:xfrm>
         </p:spPr>
         <p:txBody>
-          <a:bodyPr vert="horz"/>
+          <a:bodyPr vert="horz">
+            <a:normAutofit/>
+          </a:bodyPr>
           <a:lstStyle/>
           <a:p>
-            <a:r>
-              <a:rPr lang="en-US" dirty="0">
+            <a:pPr>
+              <a:lnSpc>
+                <a:spcPct val="100000"/>
+              </a:lnSpc>
+            </a:pPr>
+            <a:r>
+              <a:rPr lang="en-US" sz="2800" dirty="0">
                 <a:solidFill>
                   <a:srgbClr val="C00000"/>
                 </a:solidFill>
               </a:rPr>
-              <a:t>What is senate reform?</a:t>
+              <a:t>what are some senate reform proposals?</a:t>
             </a:r>
           </a:p>
         </p:txBody>
@@ -13417,8 +13424,11 @@
             </a:r>
           </a:p>
           <a:p>
-            <a:pPr algn="ctr"/>
-            <a:endParaRPr lang="en-US" dirty="0"/>
+            <a:endParaRPr lang="en-US" sz="1400" dirty="0">
+              <a:solidFill>
+                <a:schemeClr val="bg1"/>
+              </a:solidFill>
+            </a:endParaRPr>
           </a:p>
         </p:txBody>
       </p:sp>
@@ -13856,7 +13866,7 @@
                   <a:srgbClr val="C00000"/>
                 </a:solidFill>
               </a:rPr>
-              <a:t>Coding approach</a:t>
+              <a:t>The coding</a:t>
             </a:r>
           </a:p>
         </p:txBody>
@@ -13877,39 +13887,150 @@
             <p:ph idx="1"/>
           </p:nvPr>
         </p:nvSpPr>
+        <p:spPr>
+          <a:xfrm>
+            <a:off x="6125166" y="948266"/>
+            <a:ext cx="4920129" cy="4961467"/>
+          </a:xfrm>
+        </p:spPr>
+        <p:txBody>
+          <a:bodyPr anchor="b" anchorCtr="0"/>
+          <a:lstStyle/>
+          <a:p>
+            <a:r>
+              <a:rPr lang="en-US" dirty="0"/>
+              <a:t>Cleaning the data:</a:t>
+            </a:r>
+          </a:p>
+          <a:p>
+            <a:pPr lvl="1"/>
+            <a:r>
+              <a:rPr lang="en-US" dirty="0"/>
+              <a:t>Jupyter Notebook</a:t>
+            </a:r>
+          </a:p>
+          <a:p>
+            <a:pPr lvl="1"/>
+            <a:r>
+              <a:rPr lang="en-US" dirty="0"/>
+              <a:t>Used Postgres to create SQL database</a:t>
+            </a:r>
+          </a:p>
+          <a:p>
+            <a:pPr lvl="1"/>
+            <a:r>
+              <a:rPr lang="en-US" dirty="0"/>
+              <a:t>Moved into Flask - SQLite</a:t>
+            </a:r>
+          </a:p>
+          <a:p>
+            <a:r>
+              <a:rPr lang="en-US" dirty="0"/>
+              <a:t>Using the data:</a:t>
+            </a:r>
+          </a:p>
+          <a:p>
+            <a:pPr lvl="1"/>
+            <a:r>
+              <a:rPr lang="en-US" dirty="0"/>
+              <a:t>app.py returned jsons</a:t>
+            </a:r>
+          </a:p>
+          <a:p>
+            <a:pPr lvl="1"/>
+            <a:r>
+              <a:rPr lang="en-US" dirty="0"/>
+              <a:t>Plotly Plots</a:t>
+            </a:r>
+          </a:p>
+          <a:p>
+            <a:pPr lvl="1"/>
+            <a:r>
+              <a:rPr lang="en-US" dirty="0"/>
+              <a:t>d3</a:t>
+            </a:r>
+          </a:p>
+          <a:p>
+            <a:pPr lvl="1"/>
+            <a:r>
+              <a:rPr lang="en-US" dirty="0"/>
+              <a:t>Chamber Plot Structure</a:t>
+            </a:r>
+          </a:p>
+          <a:p>
+            <a:pPr lvl="1"/>
+            <a:endParaRPr lang="en-US" dirty="0"/>
+          </a:p>
+        </p:txBody>
+      </p:sp>
+      <p:sp>
+        <p:nvSpPr>
+          <p:cNvPr id="4" name="Text Placeholder 3">
+            <a:extLst>
+              <a:ext uri="{FF2B5EF4-FFF2-40B4-BE49-F238E27FC236}">
+                <a16:creationId xmlns:a16="http://schemas.microsoft.com/office/drawing/2014/main" id="{34EFEC5C-C092-5942-99D2-D53CA1D04561}"/>
+              </a:ext>
+            </a:extLst>
+          </p:cNvPr>
+          <p:cNvSpPr>
+            <a:spLocks noGrp="1"/>
+          </p:cNvSpPr>
+          <p:nvPr>
+            <p:ph type="body" sz="half" idx="2"/>
+          </p:nvPr>
+        </p:nvSpPr>
         <p:spPr/>
         <p:txBody>
           <a:bodyPr/>
           <a:lstStyle/>
           <a:p>
+            <a:pPr algn="ctr"/>
+            <a:endParaRPr lang="en-US" dirty="0"/>
+          </a:p>
+          <a:p>
+            <a:pPr algn="ctr"/>
             <a:r>
               <a:rPr lang="en-US" dirty="0"/>
               <a:t>Python Flask-powered API</a:t>
             </a:r>
           </a:p>
           <a:p>
+            <a:pPr algn="ctr"/>
             <a:r>
               <a:rPr lang="en-US" dirty="0"/>
               <a:t>HTML/CSS</a:t>
             </a:r>
           </a:p>
           <a:p>
+            <a:pPr algn="ctr"/>
             <a:r>
               <a:rPr lang="en-US" dirty="0"/>
               <a:t>JavaScript</a:t>
             </a:r>
           </a:p>
           <a:p>
+            <a:pPr algn="ctr"/>
             <a:r>
               <a:rPr lang="en-US" dirty="0"/>
               <a:t>Plotly</a:t>
             </a:r>
           </a:p>
           <a:p>
+            <a:pPr algn="ctr"/>
             <a:r>
               <a:rPr lang="en-US" dirty="0"/>
               <a:t>SQLite</a:t>
             </a:r>
+          </a:p>
+          <a:p>
+            <a:pPr algn="ctr"/>
+            <a:r>
+              <a:rPr lang="en-US" dirty="0"/>
+              <a:t>d3</a:t>
+            </a:r>
+          </a:p>
+          <a:p>
+            <a:endParaRPr lang="en-US" dirty="0"/>
           </a:p>
         </p:txBody>
       </p:sp>
@@ -13964,19 +14085,24 @@
           <a:bodyPr/>
           <a:lstStyle/>
           <a:p>
-            <a:r>
-              <a:rPr lang="en-US" dirty="0"/>
-              <a:t>More information from kosal/isabelle on data munging?</a:t>
+            <a:pPr algn="ctr"/>
+            <a:r>
+              <a:rPr lang="en-US" dirty="0">
+                <a:solidFill>
+                  <a:srgbClr val="C00000"/>
+                </a:solidFill>
+              </a:rPr>
+              <a:t>Our dashboard</a:t>
             </a:r>
           </a:p>
         </p:txBody>
       </p:sp>
       <p:sp>
         <p:nvSpPr>
-          <p:cNvPr id="3" name="Content Placeholder 2">
+          <p:cNvPr id="4" name="Content Placeholder 3">
             <a:extLst>
               <a:ext uri="{FF2B5EF4-FFF2-40B4-BE49-F238E27FC236}">
-                <a16:creationId xmlns:a16="http://schemas.microsoft.com/office/drawing/2014/main" id="{72D49549-0F94-204B-B5A0-AB023AA978A1}"/>
+                <a16:creationId xmlns:a16="http://schemas.microsoft.com/office/drawing/2014/main" id="{BE28545C-1BCF-614F-976B-837E901B6577}"/>
               </a:ext>
             </a:extLst>
           </p:cNvPr>
@@ -13984,7 +14110,7 @@
             <a:spLocks noGrp="1"/>
           </p:cNvSpPr>
           <p:nvPr>
-            <p:ph idx="1"/>
+            <p:ph sz="half" idx="1"/>
           </p:nvPr>
         </p:nvSpPr>
         <p:spPr/>
@@ -13992,14 +14118,69 @@
           <a:bodyPr/>
           <a:lstStyle/>
           <a:p>
-            <a:endParaRPr lang="en-US"/>
+            <a:pPr marL="0" indent="0">
+              <a:buNone/>
+            </a:pPr>
+            <a:r>
+              <a:rPr lang="en-US" dirty="0"/>
+              <a:t>Main Page</a:t>
+            </a:r>
+          </a:p>
+          <a:p>
+            <a:pPr marL="0" indent="0">
+              <a:buNone/>
+            </a:pPr>
+            <a:r>
+              <a:rPr lang="en-US" dirty="0"/>
+              <a:t>(add screenshot?)</a:t>
+            </a:r>
+          </a:p>
+        </p:txBody>
+      </p:sp>
+      <p:sp>
+        <p:nvSpPr>
+          <p:cNvPr id="5" name="Content Placeholder 4">
+            <a:extLst>
+              <a:ext uri="{FF2B5EF4-FFF2-40B4-BE49-F238E27FC236}">
+                <a16:creationId xmlns:a16="http://schemas.microsoft.com/office/drawing/2014/main" id="{5CD46765-8349-B640-A4E0-121737C5242B}"/>
+              </a:ext>
+            </a:extLst>
+          </p:cNvPr>
+          <p:cNvSpPr>
+            <a:spLocks noGrp="1"/>
+          </p:cNvSpPr>
+          <p:nvPr>
+            <p:ph sz="half" idx="2"/>
+          </p:nvPr>
+        </p:nvSpPr>
+        <p:spPr/>
+        <p:txBody>
+          <a:bodyPr/>
+          <a:lstStyle/>
+          <a:p>
+            <a:pPr marL="0" indent="0">
+              <a:buNone/>
+            </a:pPr>
+            <a:r>
+              <a:rPr lang="en-US" dirty="0"/>
+              <a:t>About page</a:t>
+            </a:r>
+          </a:p>
+          <a:p>
+            <a:pPr marL="0" indent="0">
+              <a:buNone/>
+            </a:pPr>
+            <a:r>
+              <a:rPr lang="en-US" dirty="0"/>
+              <a:t>(add screenshot?)</a:t>
+            </a:r>
           </a:p>
         </p:txBody>
       </p:sp>
     </p:spTree>
     <p:extLst>
       <p:ext uri="{BB962C8B-B14F-4D97-AF65-F5344CB8AC3E}">
-        <p14:creationId xmlns:p14="http://schemas.microsoft.com/office/powerpoint/2010/main" val="3672589953"/>
+        <p14:creationId xmlns:p14="http://schemas.microsoft.com/office/powerpoint/2010/main" val="1236791624"/>
       </p:ext>
     </p:extLst>
   </p:cSld>
@@ -14031,7 +14212,7 @@
           <p:cNvPr id="2" name="Title 1">
             <a:extLst>
               <a:ext uri="{FF2B5EF4-FFF2-40B4-BE49-F238E27FC236}">
-                <a16:creationId xmlns:a16="http://schemas.microsoft.com/office/drawing/2014/main" id="{FF69FBDC-5D1D-EC41-9457-7190B12922F3}"/>
+                <a16:creationId xmlns:a16="http://schemas.microsoft.com/office/drawing/2014/main" id="{4678F475-44F1-B44C-991B-618B9787BF1F}"/>
               </a:ext>
             </a:extLst>
           </p:cNvPr>
@@ -14047,10 +14228,7 @@
           <a:bodyPr/>
           <a:lstStyle/>
           <a:p>
-            <a:r>
-              <a:rPr lang="en-US" dirty="0"/>
-              <a:t>Final visualizations</a:t>
-            </a:r>
+            <a:endParaRPr lang="en-US" dirty="0"/>
           </a:p>
         </p:txBody>
       </p:sp>
@@ -14059,7 +14237,7 @@
           <p:cNvPr id="3" name="Content Placeholder 2">
             <a:extLst>
               <a:ext uri="{FF2B5EF4-FFF2-40B4-BE49-F238E27FC236}">
-                <a16:creationId xmlns:a16="http://schemas.microsoft.com/office/drawing/2014/main" id="{72D49549-0F94-204B-B5A0-AB023AA978A1}"/>
+                <a16:creationId xmlns:a16="http://schemas.microsoft.com/office/drawing/2014/main" id="{A2052F9C-93F4-7244-8BAE-3FC5931967D0}"/>
               </a:ext>
             </a:extLst>
           </p:cNvPr>
@@ -14082,7 +14260,7 @@
     </p:spTree>
     <p:extLst>
       <p:ext uri="{BB962C8B-B14F-4D97-AF65-F5344CB8AC3E}">
-        <p14:creationId xmlns:p14="http://schemas.microsoft.com/office/powerpoint/2010/main" val="1236791624"/>
+        <p14:creationId xmlns:p14="http://schemas.microsoft.com/office/powerpoint/2010/main" val="3113837784"/>
       </p:ext>
     </p:extLst>
   </p:cSld>

--- a/Senate_Salamanders_Slide.pptx
+++ b/Senate_Salamanders_Slide.pptx
@@ -11,8 +11,10 @@
     <p:sldId id="259" r:id="rId5"/>
     <p:sldId id="260" r:id="rId6"/>
     <p:sldId id="261" r:id="rId7"/>
-    <p:sldId id="263" r:id="rId8"/>
-    <p:sldId id="264" r:id="rId9"/>
+    <p:sldId id="265" r:id="rId8"/>
+    <p:sldId id="266" r:id="rId9"/>
+    <p:sldId id="263" r:id="rId10"/>
+    <p:sldId id="264" r:id="rId11"/>
   </p:sldIdLst>
   <p:sldSz cx="12192000" cy="6858000"/>
   <p:notesSz cx="6858000" cy="9144000"/>
@@ -111,6 +113,11 @@
       </a:defRPr>
     </a:lvl9pPr>
   </p:defaultTextStyle>
+  <p:extLst>
+    <p:ext uri="{EFAFB233-063F-42B5-8137-9DF3F51BA10A}">
+      <p15:sldGuideLst xmlns:p15="http://schemas.microsoft.com/office/powerpoint/2012/main"/>
+    </p:ext>
+  </p:extLst>
 </p:presentation>
 </file>
 
@@ -4390,7 +4397,7 @@
           <a:p>
             <a:fld id="{48A87A34-81AB-432B-8DAE-1953F412C126}" type="datetimeFigureOut">
               <a:rPr lang="en-US" dirty="0"/>
-              <a:t>2/3/21</a:t>
+              <a:t>2/6/2021</a:t>
             </a:fld>
             <a:endParaRPr lang="en-US" dirty="0"/>
           </a:p>
@@ -4652,7 +4659,7 @@
           <a:p>
             <a:fld id="{48A87A34-81AB-432B-8DAE-1953F412C126}" type="datetimeFigureOut">
               <a:rPr lang="en-US" dirty="0"/>
-              <a:t>2/3/21</a:t>
+              <a:t>2/6/2021</a:t>
             </a:fld>
             <a:endParaRPr lang="en-US" dirty="0"/>
           </a:p>
@@ -4843,7 +4850,7 @@
           <a:p>
             <a:fld id="{48A87A34-81AB-432B-8DAE-1953F412C126}" type="datetimeFigureOut">
               <a:rPr lang="en-US" dirty="0"/>
-              <a:t>2/3/21</a:t>
+              <a:t>2/6/2021</a:t>
             </a:fld>
             <a:endParaRPr lang="en-US" dirty="0"/>
           </a:p>
@@ -5101,7 +5108,7 @@
           <a:p>
             <a:fld id="{48A87A34-81AB-432B-8DAE-1953F412C126}" type="datetimeFigureOut">
               <a:rPr lang="en-US" dirty="0"/>
-              <a:t>2/3/21</a:t>
+              <a:t>2/6/2021</a:t>
             </a:fld>
             <a:endParaRPr lang="en-US" dirty="0"/>
           </a:p>
@@ -5530,7 +5537,7 @@
           <a:p>
             <a:fld id="{48A87A34-81AB-432B-8DAE-1953F412C126}" type="datetimeFigureOut">
               <a:rPr lang="en-US" dirty="0"/>
-              <a:t>2/3/21</a:t>
+              <a:t>2/6/2021</a:t>
             </a:fld>
             <a:endParaRPr lang="en-US" dirty="0"/>
           </a:p>
@@ -6071,7 +6078,7 @@
           <a:p>
             <a:fld id="{48A87A34-81AB-432B-8DAE-1953F412C126}" type="datetimeFigureOut">
               <a:rPr lang="en-US" dirty="0"/>
-              <a:t>2/3/21</a:t>
+              <a:t>2/6/2021</a:t>
             </a:fld>
             <a:endParaRPr lang="en-US" dirty="0"/>
           </a:p>
@@ -6786,7 +6793,7 @@
           <a:p>
             <a:fld id="{48A87A34-81AB-432B-8DAE-1953F412C126}" type="datetimeFigureOut">
               <a:rPr lang="en-US" dirty="0"/>
-              <a:t>2/3/21</a:t>
+              <a:t>2/6/2021</a:t>
             </a:fld>
             <a:endParaRPr lang="en-US" dirty="0"/>
           </a:p>
@@ -6951,7 +6958,7 @@
           <a:p>
             <a:fld id="{48A87A34-81AB-432B-8DAE-1953F412C126}" type="datetimeFigureOut">
               <a:rPr lang="en-US" dirty="0"/>
-              <a:t>2/3/21</a:t>
+              <a:t>2/6/2021</a:t>
             </a:fld>
             <a:endParaRPr lang="en-US" dirty="0"/>
           </a:p>
@@ -7126,7 +7133,7 @@
           <a:p>
             <a:fld id="{48A87A34-81AB-432B-8DAE-1953F412C126}" type="datetimeFigureOut">
               <a:rPr lang="en-US" dirty="0"/>
-              <a:t>2/3/21</a:t>
+              <a:t>2/6/2021</a:t>
             </a:fld>
             <a:endParaRPr lang="en-US" dirty="0"/>
           </a:p>
@@ -7291,7 +7298,7 @@
           <a:p>
             <a:fld id="{48A87A34-81AB-432B-8DAE-1953F412C126}" type="datetimeFigureOut">
               <a:rPr lang="en-US" dirty="0"/>
-              <a:t>2/3/21</a:t>
+              <a:t>2/6/2021</a:t>
             </a:fld>
             <a:endParaRPr lang="en-US" dirty="0"/>
           </a:p>
@@ -7536,7 +7543,7 @@
           <a:p>
             <a:fld id="{48A87A34-81AB-432B-8DAE-1953F412C126}" type="datetimeFigureOut">
               <a:rPr lang="en-US" dirty="0"/>
-              <a:t>2/3/21</a:t>
+              <a:t>2/6/2021</a:t>
             </a:fld>
             <a:endParaRPr lang="en-US" dirty="0"/>
           </a:p>
@@ -7763,7 +7770,7 @@
           <a:p>
             <a:fld id="{48A87A34-81AB-432B-8DAE-1953F412C126}" type="datetimeFigureOut">
               <a:rPr lang="en-US" dirty="0"/>
-              <a:t>2/3/21</a:t>
+              <a:t>2/6/2021</a:t>
             </a:fld>
             <a:endParaRPr lang="en-US" dirty="0"/>
           </a:p>
@@ -8139,7 +8146,7 @@
           <a:p>
             <a:fld id="{48A87A34-81AB-432B-8DAE-1953F412C126}" type="datetimeFigureOut">
               <a:rPr lang="en-US" dirty="0"/>
-              <a:t>2/3/21</a:t>
+              <a:t>2/6/2021</a:t>
             </a:fld>
             <a:endParaRPr lang="en-US" dirty="0"/>
           </a:p>
@@ -8252,7 +8259,7 @@
           <a:p>
             <a:fld id="{48A87A34-81AB-432B-8DAE-1953F412C126}" type="datetimeFigureOut">
               <a:rPr lang="en-US" dirty="0"/>
-              <a:t>2/3/21</a:t>
+              <a:t>2/6/2021</a:t>
             </a:fld>
             <a:endParaRPr lang="en-US" dirty="0"/>
           </a:p>
@@ -8342,7 +8349,7 @@
           <a:p>
             <a:fld id="{48A87A34-81AB-432B-8DAE-1953F412C126}" type="datetimeFigureOut">
               <a:rPr lang="en-US" dirty="0"/>
-              <a:t>2/3/21</a:t>
+              <a:t>2/6/2021</a:t>
             </a:fld>
             <a:endParaRPr lang="en-US" dirty="0"/>
           </a:p>
@@ -8586,7 +8593,7 @@
           <a:p>
             <a:fld id="{48A87A34-81AB-432B-8DAE-1953F412C126}" type="datetimeFigureOut">
               <a:rPr lang="en-US" dirty="0"/>
-              <a:t>2/3/21</a:t>
+              <a:t>2/6/2021</a:t>
             </a:fld>
             <a:endParaRPr lang="en-US" dirty="0"/>
           </a:p>
@@ -8861,7 +8868,7 @@
           <a:p>
             <a:fld id="{48A87A34-81AB-432B-8DAE-1953F412C126}" type="datetimeFigureOut">
               <a:rPr lang="en-US" dirty="0"/>
-              <a:t>2/3/21</a:t>
+              <a:t>2/6/2021</a:t>
             </a:fld>
             <a:endParaRPr lang="en-US" dirty="0"/>
           </a:p>
@@ -11934,7 +11941,7 @@
             <a:fld id="{48A87A34-81AB-432B-8DAE-1953F412C126}" type="datetimeFigureOut">
               <a:rPr lang="en-US" dirty="0"/>
               <a:pPr/>
-              <a:t>2/3/21</a:t>
+              <a:t>2/6/2021</a:t>
             </a:fld>
             <a:endParaRPr lang="en-US" dirty="0"/>
           </a:p>
@@ -12451,6 +12458,114 @@
 </p:sld>
 </file>
 
+<file path=ppt/slides/slide10.xml><?xml version="1.0" encoding="utf-8"?>
+<p:sld xmlns:a="http://schemas.openxmlformats.org/drawingml/2006/main" xmlns:r="http://schemas.openxmlformats.org/officeDocument/2006/relationships" xmlns:p="http://schemas.openxmlformats.org/presentationml/2006/main">
+  <p:cSld>
+    <p:spTree>
+      <p:nvGrpSpPr>
+        <p:cNvPr id="1" name=""/>
+        <p:cNvGrpSpPr/>
+        <p:nvPr/>
+      </p:nvGrpSpPr>
+      <p:grpSpPr>
+        <a:xfrm>
+          <a:off x="0" y="0"/>
+          <a:ext cx="0" cy="0"/>
+          <a:chOff x="0" y="0"/>
+          <a:chExt cx="0" cy="0"/>
+        </a:xfrm>
+      </p:grpSpPr>
+      <p:sp>
+        <p:nvSpPr>
+          <p:cNvPr id="2" name="Title 1">
+            <a:extLst>
+              <a:ext uri="{FF2B5EF4-FFF2-40B4-BE49-F238E27FC236}">
+                <a16:creationId xmlns:a16="http://schemas.microsoft.com/office/drawing/2014/main" id="{4678F475-44F1-B44C-991B-618B9787BF1F}"/>
+              </a:ext>
+            </a:extLst>
+          </p:cNvPr>
+          <p:cNvSpPr>
+            <a:spLocks noGrp="1"/>
+          </p:cNvSpPr>
+          <p:nvPr>
+            <p:ph type="title"/>
+          </p:nvPr>
+        </p:nvSpPr>
+        <p:spPr/>
+        <p:txBody>
+          <a:bodyPr/>
+          <a:lstStyle/>
+          <a:p>
+            <a:pPr algn="ctr"/>
+            <a:r>
+              <a:rPr lang="en-US" dirty="0">
+                <a:solidFill>
+                  <a:srgbClr val="C00000"/>
+                </a:solidFill>
+              </a:rPr>
+              <a:t>Our dashboard</a:t>
+            </a:r>
+            <a:br>
+              <a:rPr lang="en-US" dirty="0">
+                <a:solidFill>
+                  <a:srgbClr val="C00000"/>
+                </a:solidFill>
+              </a:rPr>
+            </a:br>
+            <a:r>
+              <a:rPr lang="en-US" sz="2000" dirty="0">
+                <a:solidFill>
+                  <a:srgbClr val="C00000"/>
+                </a:solidFill>
+              </a:rPr>
+              <a:t>about page</a:t>
+            </a:r>
+            <a:endParaRPr lang="en-US" dirty="0"/>
+          </a:p>
+        </p:txBody>
+      </p:sp>
+      <p:pic>
+        <p:nvPicPr>
+          <p:cNvPr id="6" name="Content Placeholder 5">
+            <a:extLst>
+              <a:ext uri="{FF2B5EF4-FFF2-40B4-BE49-F238E27FC236}">
+                <a16:creationId xmlns:a16="http://schemas.microsoft.com/office/drawing/2014/main" id="{49E239E6-41B2-4741-9F7D-925F12AC3A29}"/>
+              </a:ext>
+            </a:extLst>
+          </p:cNvPr>
+          <p:cNvPicPr>
+            <a:picLocks noGrp="1" noChangeAspect="1"/>
+          </p:cNvPicPr>
+          <p:nvPr>
+            <p:ph idx="1"/>
+          </p:nvPr>
+        </p:nvPicPr>
+        <p:blipFill>
+          <a:blip r:embed="rId2"/>
+          <a:stretch>
+            <a:fillRect/>
+          </a:stretch>
+        </p:blipFill>
+        <p:spPr>
+          <a:xfrm>
+            <a:off x="4455796" y="2249488"/>
+            <a:ext cx="3277233" cy="3541712"/>
+          </a:xfrm>
+        </p:spPr>
+      </p:pic>
+    </p:spTree>
+    <p:extLst>
+      <p:ext uri="{BB962C8B-B14F-4D97-AF65-F5344CB8AC3E}">
+        <p14:creationId xmlns:p14="http://schemas.microsoft.com/office/powerpoint/2010/main" val="3113837784"/>
+      </p:ext>
+    </p:extLst>
+  </p:cSld>
+  <p:clrMapOvr>
+    <a:masterClrMapping/>
+  </p:clrMapOvr>
+</p:sld>
+</file>
+
 <file path=ppt/slides/slide2.xml><?xml version="1.0" encoding="utf-8"?>
 <p:sld xmlns:a="http://schemas.openxmlformats.org/drawingml/2006/main" xmlns:r="http://schemas.openxmlformats.org/officeDocument/2006/relationships" xmlns:p="http://schemas.openxmlformats.org/presentationml/2006/main">
   <p:cSld>
@@ -14069,7 +14184,7 @@
           <p:cNvPr id="2" name="Title 1">
             <a:extLst>
               <a:ext uri="{FF2B5EF4-FFF2-40B4-BE49-F238E27FC236}">
-                <a16:creationId xmlns:a16="http://schemas.microsoft.com/office/drawing/2014/main" id="{FF69FBDC-5D1D-EC41-9457-7190B12922F3}"/>
+                <a16:creationId xmlns:a16="http://schemas.microsoft.com/office/drawing/2014/main" id="{F747245E-5648-44BF-81E4-D24312C47EAB}"/>
               </a:ext>
             </a:extLst>
           </p:cNvPr>
@@ -14080,29 +14195,47 @@
             <p:ph type="title"/>
           </p:nvPr>
         </p:nvSpPr>
-        <p:spPr/>
+        <p:spPr>
+          <a:xfrm>
+            <a:off x="2476500" y="333376"/>
+            <a:ext cx="7477125" cy="1639884"/>
+          </a:xfrm>
+        </p:spPr>
         <p:txBody>
-          <a:bodyPr/>
+          <a:bodyPr>
+            <a:normAutofit/>
+          </a:bodyPr>
           <a:lstStyle/>
           <a:p>
             <a:pPr algn="ctr"/>
             <a:r>
-              <a:rPr lang="en-US" dirty="0">
-                <a:solidFill>
-                  <a:srgbClr val="C00000"/>
-                </a:solidFill>
-              </a:rPr>
-              <a:t>Our dashboard</a:t>
+              <a:rPr lang="en-US" dirty="0"/>
+              <a:t>Data processing </a:t>
+            </a:r>
+            <a:br>
+              <a:rPr lang="en-US" dirty="0"/>
+            </a:br>
+            <a:r>
+              <a:rPr lang="en-US" dirty="0"/>
+              <a:t>using </a:t>
+            </a:r>
+            <a:r>
+              <a:rPr lang="en-US" dirty="0" err="1"/>
+              <a:t>Jupyter</a:t>
+            </a:r>
+            <a:r>
+              <a:rPr lang="en-US" dirty="0"/>
+              <a:t> notebook and python</a:t>
             </a:r>
           </a:p>
         </p:txBody>
       </p:sp>
       <p:sp>
         <p:nvSpPr>
-          <p:cNvPr id="4" name="Content Placeholder 3">
+          <p:cNvPr id="4" name="Text Placeholder 3">
             <a:extLst>
               <a:ext uri="{FF2B5EF4-FFF2-40B4-BE49-F238E27FC236}">
-                <a16:creationId xmlns:a16="http://schemas.microsoft.com/office/drawing/2014/main" id="{BE28545C-1BCF-614F-976B-837E901B6577}"/>
+                <a16:creationId xmlns:a16="http://schemas.microsoft.com/office/drawing/2014/main" id="{BE493418-E091-4F53-8CE2-4EF351DED484}"/>
               </a:ext>
             </a:extLst>
           </p:cNvPr>
@@ -14110,77 +14243,159 @@
             <a:spLocks noGrp="1"/>
           </p:cNvSpPr>
           <p:nvPr>
-            <p:ph sz="half" idx="1"/>
+            <p:ph type="body" sz="half" idx="2"/>
           </p:nvPr>
         </p:nvSpPr>
-        <p:spPr/>
+        <p:spPr>
+          <a:xfrm>
+            <a:off x="2137305" y="2382835"/>
+            <a:ext cx="7644870" cy="3779839"/>
+          </a:xfrm>
+        </p:spPr>
         <p:txBody>
-          <a:bodyPr/>
+          <a:bodyPr>
+            <a:normAutofit lnSpcReduction="10000"/>
+          </a:bodyPr>
           <a:lstStyle/>
           <a:p>
-            <a:pPr marL="0" indent="0">
-              <a:buNone/>
+            <a:r>
+              <a:rPr lang="en-US" dirty="0"/>
+              <a:t>Using libraries:</a:t>
+            </a:r>
+          </a:p>
+          <a:p>
+            <a:pPr marL="285750" indent="-285750">
+              <a:buFont typeface="Arial" panose="020B0604020202020204" pitchFamily="34" charset="0"/>
+              <a:buChar char="•"/>
             </a:pPr>
             <a:r>
               <a:rPr lang="en-US" dirty="0"/>
-              <a:t>Main Page</a:t>
-            </a:r>
-          </a:p>
-          <a:p>
-            <a:pPr marL="0" indent="0">
-              <a:buNone/>
+              <a:t>Pandas</a:t>
+            </a:r>
+          </a:p>
+          <a:p>
+            <a:pPr marL="742950" lvl="1" indent="-285750">
+              <a:buFont typeface="Arial" panose="020B0604020202020204" pitchFamily="34" charset="0"/>
+              <a:buChar char="•"/>
             </a:pPr>
             <a:r>
+              <a:rPr lang="en-US" sz="1600" dirty="0"/>
+              <a:t>Load, transform and create key for the SQL table</a:t>
+            </a:r>
+          </a:p>
+          <a:p>
+            <a:pPr marL="285750" indent="-285750">
+              <a:buFont typeface="Arial" panose="020B0604020202020204" pitchFamily="34" charset="0"/>
+              <a:buChar char="•"/>
+            </a:pPr>
+            <a:r>
+              <a:rPr lang="en-US" dirty="0" err="1"/>
+              <a:t>sqlalchemy</a:t>
+            </a:r>
+            <a:endParaRPr lang="en-US" dirty="0"/>
+          </a:p>
+          <a:p>
+            <a:pPr marL="742950" lvl="1" indent="-285750">
+              <a:buFont typeface="Arial" panose="020B0604020202020204" pitchFamily="34" charset="0"/>
+              <a:buChar char="•"/>
+            </a:pPr>
+            <a:r>
+              <a:rPr lang="en-US" sz="1600" dirty="0"/>
+              <a:t>To push data to SQL</a:t>
+            </a:r>
+          </a:p>
+          <a:p>
+            <a:pPr marL="742950" lvl="1" indent="-285750">
+              <a:buFont typeface="Arial" panose="020B0604020202020204" pitchFamily="34" charset="0"/>
+              <a:buChar char="•"/>
+            </a:pPr>
+            <a:r>
+              <a:rPr lang="en-US" sz="1600" dirty="0"/>
+              <a:t>To Query Data</a:t>
+            </a:r>
+          </a:p>
+          <a:p>
+            <a:pPr marL="285750" indent="-285750">
+              <a:buFont typeface="Arial" panose="020B0604020202020204" pitchFamily="34" charset="0"/>
+              <a:buChar char="•"/>
+            </a:pPr>
+            <a:r>
               <a:rPr lang="en-US" dirty="0"/>
-              <a:t>(add screenshot?)</a:t>
-            </a:r>
-          </a:p>
-        </p:txBody>
-      </p:sp>
-      <p:sp>
-        <p:nvSpPr>
-          <p:cNvPr id="5" name="Content Placeholder 4">
-            <a:extLst>
-              <a:ext uri="{FF2B5EF4-FFF2-40B4-BE49-F238E27FC236}">
-                <a16:creationId xmlns:a16="http://schemas.microsoft.com/office/drawing/2014/main" id="{5CD46765-8349-B640-A4E0-121737C5242B}"/>
-              </a:ext>
-            </a:extLst>
-          </p:cNvPr>
-          <p:cNvSpPr>
-            <a:spLocks noGrp="1"/>
-          </p:cNvSpPr>
-          <p:nvPr>
-            <p:ph sz="half" idx="2"/>
-          </p:nvPr>
-        </p:nvSpPr>
-        <p:spPr/>
-        <p:txBody>
-          <a:bodyPr/>
-          <a:lstStyle/>
-          <a:p>
-            <a:pPr marL="0" indent="0">
-              <a:buNone/>
+              <a:t>Json</a:t>
+            </a:r>
+          </a:p>
+          <a:p>
+            <a:pPr marL="742950" lvl="1" indent="-285750">
+              <a:buFont typeface="Arial" panose="020B0604020202020204" pitchFamily="34" charset="0"/>
+              <a:buChar char="•"/>
             </a:pPr>
             <a:r>
+              <a:rPr lang="en-US" sz="1600" dirty="0"/>
+              <a:t>To </a:t>
+            </a:r>
+            <a:r>
+              <a:rPr lang="en-US" sz="1600" dirty="0" err="1"/>
+              <a:t>jsonify</a:t>
+            </a:r>
+            <a:r>
+              <a:rPr lang="en-US" sz="1600" dirty="0"/>
+              <a:t> </a:t>
+            </a:r>
+          </a:p>
+          <a:p>
+            <a:pPr marL="285750" indent="-285750">
+              <a:buFont typeface="Arial" panose="020B0604020202020204" pitchFamily="34" charset="0"/>
+              <a:buChar char="•"/>
+            </a:pPr>
+            <a:r>
               <a:rPr lang="en-US" dirty="0"/>
-              <a:t>About page</a:t>
-            </a:r>
-          </a:p>
-          <a:p>
-            <a:pPr marL="0" indent="0">
-              <a:buNone/>
+              <a:t>Flask</a:t>
+            </a:r>
+          </a:p>
+          <a:p>
+            <a:pPr marL="742950" lvl="1" indent="-285750">
+              <a:buFont typeface="Arial" panose="020B0604020202020204" pitchFamily="34" charset="0"/>
+              <a:buChar char="•"/>
             </a:pPr>
             <a:r>
-              <a:rPr lang="en-US" dirty="0"/>
-              <a:t>(add screenshot?)</a:t>
-            </a:r>
+              <a:rPr lang="en-US" sz="1600" dirty="0"/>
+              <a:t>To host output json</a:t>
+            </a:r>
+          </a:p>
+          <a:p>
+            <a:pPr marL="742950" lvl="1" indent="-285750">
+              <a:buFont typeface="Arial" panose="020B0604020202020204" pitchFamily="34" charset="0"/>
+              <a:buChar char="•"/>
+            </a:pPr>
+            <a:endParaRPr lang="en-US" dirty="0"/>
+          </a:p>
+          <a:p>
+            <a:pPr marL="285750" indent="-285750">
+              <a:buFont typeface="Arial" panose="020B0604020202020204" pitchFamily="34" charset="0"/>
+              <a:buChar char="•"/>
+            </a:pPr>
+            <a:endParaRPr lang="en-US" dirty="0"/>
+          </a:p>
+          <a:p>
+            <a:pPr marL="285750" indent="-285750">
+              <a:buFont typeface="Arial" panose="020B0604020202020204" pitchFamily="34" charset="0"/>
+              <a:buChar char="•"/>
+            </a:pPr>
+            <a:endParaRPr lang="en-US" dirty="0"/>
+          </a:p>
+          <a:p>
+            <a:pPr marL="285750" indent="-285750">
+              <a:buFont typeface="Arial" panose="020B0604020202020204" pitchFamily="34" charset="0"/>
+              <a:buChar char="•"/>
+            </a:pPr>
+            <a:endParaRPr lang="en-US" dirty="0"/>
           </a:p>
         </p:txBody>
       </p:sp>
     </p:spTree>
     <p:extLst>
       <p:ext uri="{BB962C8B-B14F-4D97-AF65-F5344CB8AC3E}">
-        <p14:creationId xmlns:p14="http://schemas.microsoft.com/office/powerpoint/2010/main" val="1236791624"/>
+        <p14:creationId xmlns:p14="http://schemas.microsoft.com/office/powerpoint/2010/main" val="1439044285"/>
       </p:ext>
     </p:extLst>
   </p:cSld>
@@ -14212,7 +14427,210 @@
           <p:cNvPr id="2" name="Title 1">
             <a:extLst>
               <a:ext uri="{FF2B5EF4-FFF2-40B4-BE49-F238E27FC236}">
-                <a16:creationId xmlns:a16="http://schemas.microsoft.com/office/drawing/2014/main" id="{4678F475-44F1-B44C-991B-618B9787BF1F}"/>
+                <a16:creationId xmlns:a16="http://schemas.microsoft.com/office/drawing/2014/main" id="{0F368099-2E65-40F3-85C8-E4645BEC21E2}"/>
+              </a:ext>
+            </a:extLst>
+          </p:cNvPr>
+          <p:cNvSpPr>
+            <a:spLocks noGrp="1"/>
+          </p:cNvSpPr>
+          <p:nvPr>
+            <p:ph type="title"/>
+          </p:nvPr>
+        </p:nvSpPr>
+        <p:spPr>
+          <a:xfrm>
+            <a:off x="1146705" y="609601"/>
+            <a:ext cx="9902295" cy="1639884"/>
+          </a:xfrm>
+        </p:spPr>
+        <p:txBody>
+          <a:bodyPr/>
+          <a:lstStyle/>
+          <a:p>
+            <a:pPr algn="ctr"/>
+            <a:r>
+              <a:rPr lang="en-US"/>
+              <a:t>Virtualizing data</a:t>
+            </a:r>
+            <a:r>
+              <a:rPr lang="en-US" dirty="0"/>
+              <a:t>:</a:t>
+            </a:r>
+            <a:br>
+              <a:rPr lang="en-US" dirty="0"/>
+            </a:br>
+            <a:endParaRPr lang="en-US" dirty="0"/>
+          </a:p>
+        </p:txBody>
+      </p:sp>
+      <p:sp>
+        <p:nvSpPr>
+          <p:cNvPr id="4" name="Text Placeholder 3">
+            <a:extLst>
+              <a:ext uri="{FF2B5EF4-FFF2-40B4-BE49-F238E27FC236}">
+                <a16:creationId xmlns:a16="http://schemas.microsoft.com/office/drawing/2014/main" id="{76485D02-5457-4AE8-88F3-03CCCF1B9E19}"/>
+              </a:ext>
+            </a:extLst>
+          </p:cNvPr>
+          <p:cNvSpPr>
+            <a:spLocks noGrp="1"/>
+          </p:cNvSpPr>
+          <p:nvPr>
+            <p:ph type="body" sz="half" idx="2"/>
+          </p:nvPr>
+        </p:nvSpPr>
+        <p:spPr>
+          <a:xfrm>
+            <a:off x="1146705" y="2249486"/>
+            <a:ext cx="9902295" cy="3541714"/>
+          </a:xfrm>
+        </p:spPr>
+        <p:txBody>
+          <a:bodyPr/>
+          <a:lstStyle/>
+          <a:p>
+            <a:pPr marL="285750" indent="-285750">
+              <a:buFont typeface="Arial" panose="020B0604020202020204" pitchFamily="34" charset="0"/>
+              <a:buChar char="•"/>
+            </a:pPr>
+            <a:r>
+              <a:rPr lang="en-US" dirty="0"/>
+              <a:t>Design in python:</a:t>
+            </a:r>
+          </a:p>
+          <a:p>
+            <a:pPr marL="742950" lvl="1" indent="-285750">
+              <a:buFont typeface="Arial" panose="020B0604020202020204" pitchFamily="34" charset="0"/>
+              <a:buChar char="•"/>
+            </a:pPr>
+            <a:r>
+              <a:rPr lang="en-US" dirty="0"/>
+              <a:t>Create to_json.py to load data and </a:t>
+            </a:r>
+            <a:r>
+              <a:rPr lang="en-US" dirty="0" err="1"/>
+              <a:t>jsonify</a:t>
+            </a:r>
+            <a:r>
+              <a:rPr lang="en-US" dirty="0"/>
+              <a:t> all data</a:t>
+            </a:r>
+          </a:p>
+          <a:p>
+            <a:pPr marL="742950" lvl="1" indent="-285750">
+              <a:buFont typeface="Arial" panose="020B0604020202020204" pitchFamily="34" charset="0"/>
+              <a:buChar char="•"/>
+            </a:pPr>
+            <a:r>
+              <a:rPr lang="en-US" dirty="0"/>
+              <a:t>Create app.py to host the json data and rendering html pages</a:t>
+            </a:r>
+          </a:p>
+          <a:p>
+            <a:pPr marL="285750" indent="-285750">
+              <a:buFont typeface="Arial" panose="020B0604020202020204" pitchFamily="34" charset="0"/>
+              <a:buChar char="•"/>
+            </a:pPr>
+            <a:r>
+              <a:rPr lang="en-US" dirty="0" err="1"/>
+              <a:t>Webdesign</a:t>
+            </a:r>
+            <a:endParaRPr lang="en-US" dirty="0"/>
+          </a:p>
+          <a:p>
+            <a:pPr marL="742950" lvl="1" indent="-285750">
+              <a:buFont typeface="Arial" panose="020B0604020202020204" pitchFamily="34" charset="0"/>
+              <a:buChar char="•"/>
+            </a:pPr>
+            <a:r>
+              <a:rPr lang="en-US" dirty="0"/>
+              <a:t>Using HTML and CSS to design the webpage</a:t>
+            </a:r>
+          </a:p>
+          <a:p>
+            <a:pPr marL="742950" lvl="1" indent="-285750">
+              <a:buFont typeface="Arial" panose="020B0604020202020204" pitchFamily="34" charset="0"/>
+              <a:buChar char="•"/>
+            </a:pPr>
+            <a:r>
+              <a:rPr lang="en-US" dirty="0"/>
+              <a:t>Create function.js to process json data and output</a:t>
+            </a:r>
+          </a:p>
+          <a:p>
+            <a:pPr marL="742950" lvl="1" indent="-285750">
+              <a:buFont typeface="Arial" panose="020B0604020202020204" pitchFamily="34" charset="0"/>
+              <a:buChar char="•"/>
+            </a:pPr>
+            <a:r>
+              <a:rPr lang="en-US" dirty="0"/>
+              <a:t>Create plot.js to plot the output data</a:t>
+            </a:r>
+          </a:p>
+          <a:p>
+            <a:pPr marL="742950" lvl="1" indent="-285750">
+              <a:buFont typeface="Arial" panose="020B0604020202020204" pitchFamily="34" charset="0"/>
+              <a:buChar char="•"/>
+            </a:pPr>
+            <a:r>
+              <a:rPr lang="en-US" dirty="0"/>
+              <a:t>Create app.js to output data and plots on the HTML pages</a:t>
+            </a:r>
+          </a:p>
+          <a:p>
+            <a:pPr marL="1200150" lvl="2" indent="-285750">
+              <a:buFont typeface="Arial" panose="020B0604020202020204" pitchFamily="34" charset="0"/>
+              <a:buChar char="•"/>
+            </a:pPr>
+            <a:r>
+              <a:rPr lang="en-US" dirty="0"/>
+              <a:t>Using library: D3, </a:t>
+            </a:r>
+            <a:r>
+              <a:rPr lang="en-US" dirty="0" err="1"/>
+              <a:t>Plotlty</a:t>
+            </a:r>
+            <a:endParaRPr lang="en-US" dirty="0"/>
+          </a:p>
+        </p:txBody>
+      </p:sp>
+    </p:spTree>
+    <p:extLst>
+      <p:ext uri="{BB962C8B-B14F-4D97-AF65-F5344CB8AC3E}">
+        <p14:creationId xmlns:p14="http://schemas.microsoft.com/office/powerpoint/2010/main" val="3958657548"/>
+      </p:ext>
+    </p:extLst>
+  </p:cSld>
+  <p:clrMapOvr>
+    <a:masterClrMapping/>
+  </p:clrMapOvr>
+</p:sld>
+</file>
+
+<file path=ppt/slides/slide9.xml><?xml version="1.0" encoding="utf-8"?>
+<p:sld xmlns:a="http://schemas.openxmlformats.org/drawingml/2006/main" xmlns:r="http://schemas.openxmlformats.org/officeDocument/2006/relationships" xmlns:p="http://schemas.openxmlformats.org/presentationml/2006/main">
+  <p:cSld>
+    <p:spTree>
+      <p:nvGrpSpPr>
+        <p:cNvPr id="1" name=""/>
+        <p:cNvGrpSpPr/>
+        <p:nvPr/>
+      </p:nvGrpSpPr>
+      <p:grpSpPr>
+        <a:xfrm>
+          <a:off x="0" y="0"/>
+          <a:ext cx="0" cy="0"/>
+          <a:chOff x="0" y="0"/>
+          <a:chExt cx="0" cy="0"/>
+        </a:xfrm>
+      </p:grpSpPr>
+      <p:sp>
+        <p:nvSpPr>
+          <p:cNvPr id="2" name="Title 1">
+            <a:extLst>
+              <a:ext uri="{FF2B5EF4-FFF2-40B4-BE49-F238E27FC236}">
+                <a16:creationId xmlns:a16="http://schemas.microsoft.com/office/drawing/2014/main" id="{FF69FBDC-5D1D-EC41-9457-7190B12922F3}"/>
               </a:ext>
             </a:extLst>
           </p:cNvPr>
@@ -14228,39 +14646,125 @@
           <a:bodyPr/>
           <a:lstStyle/>
           <a:p>
-            <a:endParaRPr lang="en-US" dirty="0"/>
+            <a:pPr algn="ctr"/>
+            <a:r>
+              <a:rPr lang="en-US" dirty="0">
+                <a:solidFill>
+                  <a:srgbClr val="C00000"/>
+                </a:solidFill>
+              </a:rPr>
+              <a:t>Our dashboard</a:t>
+            </a:r>
+            <a:br>
+              <a:rPr lang="en-US" dirty="0">
+                <a:solidFill>
+                  <a:srgbClr val="C00000"/>
+                </a:solidFill>
+              </a:rPr>
+            </a:br>
+            <a:r>
+              <a:rPr lang="en-US" sz="2000" dirty="0">
+                <a:solidFill>
+                  <a:srgbClr val="C00000"/>
+                </a:solidFill>
+              </a:rPr>
+              <a:t>main page</a:t>
+            </a:r>
           </a:p>
         </p:txBody>
       </p:sp>
-      <p:sp>
-        <p:nvSpPr>
-          <p:cNvPr id="3" name="Content Placeholder 2">
+      <p:pic>
+        <p:nvPicPr>
+          <p:cNvPr id="13" name="Content Placeholder 12">
             <a:extLst>
               <a:ext uri="{FF2B5EF4-FFF2-40B4-BE49-F238E27FC236}">
-                <a16:creationId xmlns:a16="http://schemas.microsoft.com/office/drawing/2014/main" id="{A2052F9C-93F4-7244-8BAE-3FC5931967D0}"/>
+                <a16:creationId xmlns:a16="http://schemas.microsoft.com/office/drawing/2014/main" id="{7BD47CB3-AC4A-4D5E-9AD2-194320A0949C}"/>
               </a:ext>
             </a:extLst>
           </p:cNvPr>
-          <p:cNvSpPr>
-            <a:spLocks noGrp="1"/>
-          </p:cNvSpPr>
+          <p:cNvPicPr>
+            <a:picLocks noGrp="1" noChangeAspect="1"/>
+          </p:cNvPicPr>
           <p:nvPr>
-            <p:ph idx="1"/>
+            <p:ph sz="half" idx="1"/>
           </p:nvPr>
-        </p:nvSpPr>
-        <p:spPr/>
-        <p:txBody>
-          <a:bodyPr/>
-          <a:lstStyle/>
-          <a:p>
-            <a:endParaRPr lang="en-US"/>
-          </a:p>
-        </p:txBody>
-      </p:sp>
+        </p:nvPicPr>
+        <p:blipFill>
+          <a:blip r:embed="rId2"/>
+          <a:stretch>
+            <a:fillRect/>
+          </a:stretch>
+        </p:blipFill>
+        <p:spPr>
+          <a:xfrm>
+            <a:off x="1141413" y="2204057"/>
+            <a:ext cx="2913953" cy="3228975"/>
+          </a:xfrm>
+        </p:spPr>
+      </p:pic>
+      <p:pic>
+        <p:nvPicPr>
+          <p:cNvPr id="17" name="Content Placeholder 16">
+            <a:extLst>
+              <a:ext uri="{FF2B5EF4-FFF2-40B4-BE49-F238E27FC236}">
+                <a16:creationId xmlns:a16="http://schemas.microsoft.com/office/drawing/2014/main" id="{E2A354D6-D291-450F-85AE-EDA4738656A7}"/>
+              </a:ext>
+            </a:extLst>
+          </p:cNvPr>
+          <p:cNvPicPr>
+            <a:picLocks noGrp="1" noChangeAspect="1"/>
+          </p:cNvPicPr>
+          <p:nvPr>
+            <p:ph sz="half" idx="2"/>
+          </p:nvPr>
+        </p:nvPicPr>
+        <p:blipFill>
+          <a:blip r:embed="rId3"/>
+          <a:stretch>
+            <a:fillRect/>
+          </a:stretch>
+        </p:blipFill>
+        <p:spPr>
+          <a:xfrm>
+            <a:off x="4496961" y="2204056"/>
+            <a:ext cx="3392215" cy="3228975"/>
+          </a:xfrm>
+        </p:spPr>
+      </p:pic>
+      <p:pic>
+        <p:nvPicPr>
+          <p:cNvPr id="18" name="Picture 17">
+            <a:extLst>
+              <a:ext uri="{FF2B5EF4-FFF2-40B4-BE49-F238E27FC236}">
+                <a16:creationId xmlns:a16="http://schemas.microsoft.com/office/drawing/2014/main" id="{958A7F2A-D18B-4B19-9192-548EAC8798B2}"/>
+              </a:ext>
+            </a:extLst>
+          </p:cNvPr>
+          <p:cNvPicPr>
+            <a:picLocks noChangeAspect="1"/>
+          </p:cNvPicPr>
+          <p:nvPr/>
+        </p:nvPicPr>
+        <p:blipFill>
+          <a:blip r:embed="rId4"/>
+          <a:stretch>
+            <a:fillRect/>
+          </a:stretch>
+        </p:blipFill>
+        <p:spPr>
+          <a:xfrm>
+            <a:off x="8153400" y="2204057"/>
+            <a:ext cx="3491574" cy="1139269"/>
+          </a:xfrm>
+          <a:prstGeom prst="rect">
+            <a:avLst/>
+          </a:prstGeom>
+        </p:spPr>
+      </p:pic>
     </p:spTree>
     <p:extLst>
       <p:ext uri="{BB962C8B-B14F-4D97-AF65-F5344CB8AC3E}">
-        <p14:creationId xmlns:p14="http://schemas.microsoft.com/office/powerpoint/2010/main" val="3113837784"/>
+        <p14:creationId xmlns:p14="http://schemas.microsoft.com/office/powerpoint/2010/main" val="1236791624"/>
       </p:ext>
     </p:extLst>
   </p:cSld>
